--- a/NHLI PoC 결과보고_demo_App분석_part.pptx
+++ b/NHLI PoC 결과보고_demo_App분석_part.pptx
@@ -228,7 +228,7 @@
           <a:p>
             <a:fld id="{B6509E57-6AF2-433F-8448-451E6BB8AC18}" type="datetimeFigureOut">
               <a:rPr lang="ko-KR" altLang="en-US" smtClean="0"/>
-              <a:t>2021-12-10</a:t>
+              <a:t>2021-12-13</a:t>
             </a:fld>
             <a:endParaRPr lang="ko-KR" altLang="en-US"/>
           </a:p>
@@ -8830,13 +8830,13 @@
               <a:rPr lang="en-US" altLang="ko-KR" dirty="0">
                 <a:sym typeface="Wingdings" panose="05000000000000000000" pitchFamily="2" charset="2"/>
               </a:rPr>
-              <a:t> UMA (Ultimate MSA) </a:t>
+              <a:t> </a:t>
             </a:r>
             <a:r>
               <a:rPr lang="ko-KR" altLang="en-US" dirty="0">
                 <a:sym typeface="Wingdings" panose="05000000000000000000" pitchFamily="2" charset="2"/>
               </a:rPr>
-              <a:t>를 이용한 보정 </a:t>
+              <a:t>서비스 파티션 커스터마이즈 </a:t>
             </a:r>
             <a:endParaRPr lang="en-US" altLang="ko-KR" dirty="0">
               <a:sym typeface="Wingdings" panose="05000000000000000000" pitchFamily="2" charset="2"/>
@@ -8853,7 +8853,7 @@
               <a:rPr lang="ko-KR" altLang="en-US" dirty="0">
                 <a:sym typeface="Wingdings" panose="05000000000000000000" pitchFamily="2" charset="2"/>
               </a:rPr>
-              <a:t>도출된 서비스 항목 확인 </a:t>
+              <a:t>최종 서비스 파티션 점검 </a:t>
             </a:r>
             <a:endParaRPr lang="en-US" altLang="ko-KR" dirty="0">
               <a:sym typeface="Wingdings" panose="05000000000000000000" pitchFamily="2" charset="2"/>
@@ -21993,14 +21993,14 @@
           <a:p>
             <a:pPr algn="ctr"/>
             <a:r>
-              <a:rPr lang="en-US" altLang="ko-KR" sz="1600" b="1" dirty="0">
+              <a:rPr lang="ko-KR" altLang="en-US" sz="1600" b="1" dirty="0">
                 <a:solidFill>
                   <a:prstClr val="black"/>
                 </a:solidFill>
                 <a:latin typeface="Meiryo UI" panose="020B0604030504040204" pitchFamily="34" charset="-128"/>
                 <a:ea typeface="Meiryo UI" panose="020B0604030504040204" pitchFamily="34" charset="-128"/>
               </a:rPr>
-              <a:t>UMA (Ultimate MSA)</a:t>
+              <a:t>서비스 파티션</a:t>
             </a:r>
             <a:br>
               <a:rPr lang="en-US" altLang="ko-KR" sz="1600" b="1" dirty="0">
@@ -22019,7 +22019,7 @@
                 <a:latin typeface="Meiryo UI" panose="020B0604030504040204" pitchFamily="34" charset="-128"/>
                 <a:ea typeface="Meiryo UI" panose="020B0604030504040204" pitchFamily="34" charset="-128"/>
               </a:rPr>
-              <a:t>를 이용한 클래스 보정</a:t>
+              <a:t>커스터마이즈</a:t>
             </a:r>
             <a:endParaRPr lang="en-US" altLang="ko-KR" sz="1600" b="1" dirty="0">
               <a:solidFill>
@@ -22083,7 +22083,26 @@
                 <a:latin typeface="Meiryo UI" panose="020B0604030504040204" pitchFamily="34" charset="-128"/>
                 <a:ea typeface="Meiryo UI" panose="020B0604030504040204" pitchFamily="34" charset="-128"/>
               </a:rPr>
-              <a:t>도출된 서비스 항목 점검</a:t>
+              <a:t>최종 서비스 파티션 </a:t>
+            </a:r>
+            <a:br>
+              <a:rPr lang="en-US" altLang="ko-KR" sz="1600" b="1" dirty="0">
+                <a:solidFill>
+                  <a:prstClr val="black"/>
+                </a:solidFill>
+                <a:latin typeface="Meiryo UI" panose="020B0604030504040204" pitchFamily="34" charset="-128"/>
+                <a:ea typeface="Meiryo UI" panose="020B0604030504040204" pitchFamily="34" charset="-128"/>
+              </a:rPr>
+            </a:br>
+            <a:r>
+              <a:rPr lang="ko-KR" altLang="en-US" sz="1600" b="1" dirty="0">
+                <a:solidFill>
+                  <a:prstClr val="black"/>
+                </a:solidFill>
+                <a:latin typeface="Meiryo UI" panose="020B0604030504040204" pitchFamily="34" charset="-128"/>
+                <a:ea typeface="Meiryo UI" panose="020B0604030504040204" pitchFamily="34" charset="-128"/>
+              </a:rPr>
+              <a:t>점검 및 코드 생성</a:t>
             </a:r>
             <a:endParaRPr lang="en-US" altLang="ko-KR" sz="1600" b="1" dirty="0">
               <a:solidFill>
@@ -22310,14 +22329,293 @@
               <a:buChar char="ü"/>
             </a:pPr>
             <a:r>
-              <a:rPr lang="en-US" altLang="ko-KR" sz="1600" b="0" i="0" dirty="0" err="1">
+              <a:rPr lang="en-US" altLang="ko-KR" sz="1600" b="0" i="0" dirty="0">
                 <a:solidFill>
                   <a:srgbClr val="333333"/>
                 </a:solidFill>
                 <a:effectLst/>
                 <a:latin typeface="Open Sans" panose="020B0606030504020204" pitchFamily="34" charset="0"/>
               </a:rPr>
-              <a:t>xxxxxx</a:t>
+              <a:t>Monolithic </a:t>
+            </a:r>
+            <a:r>
+              <a:rPr lang="ko-KR" altLang="en-US" sz="1600" b="0" i="0" dirty="0">
+                <a:solidFill>
+                  <a:srgbClr val="333333"/>
+                </a:solidFill>
+                <a:effectLst/>
+                <a:latin typeface="Open Sans" panose="020B0606030504020204" pitchFamily="34" charset="0"/>
+              </a:rPr>
+              <a:t>앱 검토 </a:t>
+            </a:r>
+            <a:endParaRPr lang="en-US" altLang="ko-KR" sz="1600" b="0" i="0" dirty="0">
+              <a:solidFill>
+                <a:srgbClr val="333333"/>
+              </a:solidFill>
+              <a:effectLst/>
+              <a:latin typeface="Open Sans" panose="020B0606030504020204" pitchFamily="34" charset="0"/>
+            </a:endParaRPr>
+          </a:p>
+          <a:p>
+            <a:pPr marL="285750" indent="-285750" algn="l">
+              <a:spcAft>
+                <a:spcPts val="1200"/>
+              </a:spcAft>
+              <a:buFont typeface="Wingdings" panose="05000000000000000000" pitchFamily="2" charset="2"/>
+              <a:buChar char="ü"/>
+            </a:pPr>
+            <a:r>
+              <a:rPr lang="en-US" altLang="ko-KR" sz="1600" dirty="0" err="1">
+                <a:solidFill>
+                  <a:srgbClr val="333333"/>
+                </a:solidFill>
+                <a:latin typeface="Open Sans" panose="020B0606030504020204" pitchFamily="34" charset="0"/>
+              </a:rPr>
+              <a:t>BlueJay</a:t>
+            </a:r>
+            <a:r>
+              <a:rPr lang="en-US" altLang="ko-KR" sz="1600" dirty="0">
+                <a:solidFill>
+                  <a:srgbClr val="333333"/>
+                </a:solidFill>
+                <a:latin typeface="Open Sans" panose="020B0606030504020204" pitchFamily="34" charset="0"/>
+              </a:rPr>
+              <a:t> </a:t>
+            </a:r>
+            <a:r>
+              <a:rPr lang="ko-KR" altLang="en-US" sz="1600" dirty="0">
+                <a:solidFill>
+                  <a:srgbClr val="333333"/>
+                </a:solidFill>
+                <a:latin typeface="Open Sans" panose="020B0606030504020204" pitchFamily="34" charset="0"/>
+              </a:rPr>
+              <a:t>를 이용한 정적 분석</a:t>
+            </a:r>
+            <a:endParaRPr lang="en-US" altLang="ko-KR" sz="1600" dirty="0">
+              <a:solidFill>
+                <a:srgbClr val="333333"/>
+              </a:solidFill>
+              <a:latin typeface="Open Sans" panose="020B0606030504020204" pitchFamily="34" charset="0"/>
+            </a:endParaRPr>
+          </a:p>
+          <a:p>
+            <a:pPr marL="285750" indent="-285750" algn="l">
+              <a:spcAft>
+                <a:spcPts val="1200"/>
+              </a:spcAft>
+              <a:buFont typeface="Wingdings" panose="05000000000000000000" pitchFamily="2" charset="2"/>
+              <a:buChar char="ü"/>
+            </a:pPr>
+            <a:r>
+              <a:rPr lang="en-US" altLang="ko-KR" sz="1600" b="0" i="0" dirty="0">
+                <a:solidFill>
+                  <a:srgbClr val="333333"/>
+                </a:solidFill>
+                <a:effectLst/>
+                <a:latin typeface="Open Sans" panose="020B0606030504020204" pitchFamily="34" charset="0"/>
+              </a:rPr>
+              <a:t>Code</a:t>
+            </a:r>
+            <a:r>
+              <a:rPr lang="ko-KR" altLang="en-US" sz="1600" b="0" i="0" dirty="0">
+                <a:solidFill>
+                  <a:srgbClr val="333333"/>
+                </a:solidFill>
+                <a:effectLst/>
+                <a:latin typeface="Open Sans" panose="020B0606030504020204" pitchFamily="34" charset="0"/>
+              </a:rPr>
+              <a:t> </a:t>
+            </a:r>
+            <a:r>
+              <a:rPr lang="en-US" altLang="ko-KR" sz="1600" b="0" i="0" dirty="0">
+                <a:solidFill>
+                  <a:srgbClr val="333333"/>
+                </a:solidFill>
+                <a:effectLst/>
+                <a:latin typeface="Open Sans" panose="020B0606030504020204" pitchFamily="34" charset="0"/>
+              </a:rPr>
+              <a:t>Instrumentation</a:t>
+            </a:r>
+          </a:p>
+          <a:p>
+            <a:pPr marL="285750" indent="-285750" algn="l">
+              <a:spcAft>
+                <a:spcPts val="1200"/>
+              </a:spcAft>
+              <a:buFont typeface="Wingdings" panose="05000000000000000000" pitchFamily="2" charset="2"/>
+              <a:buChar char="ü"/>
+            </a:pPr>
+            <a:r>
+              <a:rPr lang="ko-KR" altLang="en-US" sz="1600" b="0" i="0" dirty="0">
+                <a:solidFill>
+                  <a:srgbClr val="333333"/>
+                </a:solidFill>
+                <a:effectLst/>
+                <a:latin typeface="Open Sans" panose="020B0606030504020204" pitchFamily="34" charset="0"/>
+              </a:rPr>
+              <a:t>애플리케이션 빌드 </a:t>
+            </a:r>
+            <a:endParaRPr lang="en-US" altLang="ko-KR" sz="1600" dirty="0">
+              <a:solidFill>
+                <a:srgbClr val="333333"/>
+              </a:solidFill>
+              <a:latin typeface="Open Sans" panose="020B0606030504020204" pitchFamily="34" charset="0"/>
+            </a:endParaRPr>
+          </a:p>
+          <a:p>
+            <a:pPr marL="285750" indent="-285750" algn="l">
+              <a:spcAft>
+                <a:spcPts val="1200"/>
+              </a:spcAft>
+              <a:buFont typeface="Wingdings" panose="05000000000000000000" pitchFamily="2" charset="2"/>
+              <a:buChar char="ü"/>
+            </a:pPr>
+            <a:r>
+              <a:rPr lang="ko-KR" altLang="en-US" sz="1600" dirty="0">
+                <a:solidFill>
+                  <a:srgbClr val="333333"/>
+                </a:solidFill>
+                <a:latin typeface="Open Sans" panose="020B0606030504020204" pitchFamily="34" charset="0"/>
+              </a:rPr>
+              <a:t>애플리케이션 레코딩 </a:t>
+            </a:r>
+            <a:r>
+              <a:rPr lang="en-US" altLang="ko-KR" sz="1600" dirty="0">
+                <a:solidFill>
+                  <a:srgbClr val="333333"/>
+                </a:solidFill>
+                <a:latin typeface="Open Sans" panose="020B0606030504020204" pitchFamily="34" charset="0"/>
+              </a:rPr>
+              <a:t>/ </a:t>
+            </a:r>
+            <a:r>
+              <a:rPr lang="ko-KR" altLang="en-US" sz="1600" dirty="0">
+                <a:solidFill>
+                  <a:srgbClr val="333333"/>
+                </a:solidFill>
+                <a:latin typeface="Open Sans" panose="020B0606030504020204" pitchFamily="34" charset="0"/>
+              </a:rPr>
+              <a:t>로깅 </a:t>
+            </a:r>
+            <a:endParaRPr lang="en-US" altLang="ko-KR" sz="1600" dirty="0">
+              <a:solidFill>
+                <a:srgbClr val="333333"/>
+              </a:solidFill>
+              <a:latin typeface="Open Sans" panose="020B0606030504020204" pitchFamily="34" charset="0"/>
+            </a:endParaRPr>
+          </a:p>
+          <a:p>
+            <a:pPr marL="285750" indent="-285750" algn="l">
+              <a:spcAft>
+                <a:spcPts val="1200"/>
+              </a:spcAft>
+              <a:buFont typeface="Wingdings" panose="05000000000000000000" pitchFamily="2" charset="2"/>
+              <a:buChar char="ü"/>
+            </a:pPr>
+            <a:r>
+              <a:rPr lang="en-US" altLang="ko-KR" sz="1600" b="0" i="0" dirty="0">
+                <a:solidFill>
+                  <a:srgbClr val="333333"/>
+                </a:solidFill>
+                <a:effectLst/>
+                <a:latin typeface="Open Sans" panose="020B0606030504020204" pitchFamily="34" charset="0"/>
+              </a:rPr>
+              <a:t>AI / ML </a:t>
+            </a:r>
+            <a:r>
+              <a:rPr lang="ko-KR" altLang="en-US" sz="1600" dirty="0">
+                <a:solidFill>
+                  <a:srgbClr val="333333"/>
+                </a:solidFill>
+                <a:latin typeface="Open Sans" panose="020B0606030504020204" pitchFamily="34" charset="0"/>
+              </a:rPr>
+              <a:t>을 이용한 분석 실행</a:t>
+            </a:r>
+            <a:br>
+              <a:rPr lang="en-US" altLang="ko-KR" sz="1600" dirty="0">
+                <a:solidFill>
+                  <a:srgbClr val="333333"/>
+                </a:solidFill>
+                <a:latin typeface="Open Sans" panose="020B0606030504020204" pitchFamily="34" charset="0"/>
+              </a:rPr>
+            </a:br>
+            <a:r>
+              <a:rPr lang="en-US" altLang="ko-KR" sz="1600" dirty="0">
+                <a:solidFill>
+                  <a:srgbClr val="333333"/>
+                </a:solidFill>
+                <a:latin typeface="Open Sans" panose="020B0606030504020204" pitchFamily="34" charset="0"/>
+              </a:rPr>
+              <a:t>(1</a:t>
+            </a:r>
+            <a:r>
+              <a:rPr lang="ko-KR" altLang="en-US" sz="1600" dirty="0">
+                <a:solidFill>
+                  <a:srgbClr val="333333"/>
+                </a:solidFill>
+                <a:latin typeface="Open Sans" panose="020B0606030504020204" pitchFamily="34" charset="0"/>
+              </a:rPr>
+              <a:t>차</a:t>
+            </a:r>
+            <a:r>
+              <a:rPr lang="en-US" altLang="ko-KR" sz="1600" dirty="0">
+                <a:solidFill>
+                  <a:srgbClr val="333333"/>
+                </a:solidFill>
+                <a:latin typeface="Open Sans" panose="020B0606030504020204" pitchFamily="34" charset="0"/>
+              </a:rPr>
+              <a:t>)</a:t>
+            </a:r>
+            <a:r>
+              <a:rPr lang="ko-KR" altLang="en-US" sz="1600" dirty="0">
+                <a:solidFill>
+                  <a:srgbClr val="333333"/>
+                </a:solidFill>
+                <a:latin typeface="Open Sans" panose="020B0606030504020204" pitchFamily="34" charset="0"/>
+              </a:rPr>
+              <a:t> </a:t>
+            </a:r>
+            <a:endParaRPr lang="en-US" altLang="ko-KR" sz="1600" dirty="0">
+              <a:solidFill>
+                <a:srgbClr val="333333"/>
+              </a:solidFill>
+              <a:latin typeface="Open Sans" panose="020B0606030504020204" pitchFamily="34" charset="0"/>
+            </a:endParaRPr>
+          </a:p>
+          <a:p>
+            <a:pPr marL="285750" indent="-285750" algn="l">
+              <a:spcAft>
+                <a:spcPts val="1200"/>
+              </a:spcAft>
+              <a:buFont typeface="Wingdings" panose="05000000000000000000" pitchFamily="2" charset="2"/>
+              <a:buChar char="ü"/>
+            </a:pPr>
+            <a:r>
+              <a:rPr lang="ko-KR" altLang="en-US" sz="1600" dirty="0">
+                <a:solidFill>
+                  <a:srgbClr val="333333"/>
+                </a:solidFill>
+                <a:latin typeface="Open Sans" panose="020B0606030504020204" pitchFamily="34" charset="0"/>
+              </a:rPr>
+              <a:t>최초 </a:t>
+            </a:r>
+            <a:r>
+              <a:rPr lang="en-US" altLang="ko-KR" sz="1600" dirty="0">
+                <a:solidFill>
+                  <a:srgbClr val="333333"/>
+                </a:solidFill>
+                <a:latin typeface="Open Sans" panose="020B0606030504020204" pitchFamily="34" charset="0"/>
+              </a:rPr>
+              <a:t>Recommended </a:t>
+            </a:r>
+            <a:r>
+              <a:rPr lang="ko-KR" altLang="en-US" sz="1600" dirty="0">
+                <a:solidFill>
+                  <a:srgbClr val="333333"/>
+                </a:solidFill>
+                <a:latin typeface="Open Sans" panose="020B0606030504020204" pitchFamily="34" charset="0"/>
+              </a:rPr>
+              <a:t>파티션 점검 </a:t>
             </a:r>
             <a:endParaRPr lang="en-US" altLang="ko-KR" sz="1600" b="0" i="0" dirty="0">
               <a:solidFill>
@@ -22372,14 +22670,14 @@
               <a:buChar char="ü"/>
             </a:pPr>
             <a:r>
-              <a:rPr lang="en-US" altLang="ko-KR" sz="1600" b="0" i="0" dirty="0" err="1">
+              <a:rPr lang="ko-KR" altLang="en-US" sz="1600" b="0" i="0" dirty="0">
                 <a:solidFill>
                   <a:srgbClr val="333333"/>
                 </a:solidFill>
                 <a:effectLst/>
                 <a:latin typeface="Open Sans" panose="020B0606030504020204" pitchFamily="34" charset="0"/>
               </a:rPr>
-              <a:t>xxxxxxGitlab</a:t>
+              <a:t>공통모듈 배제 </a:t>
             </a:r>
             <a:r>
               <a:rPr lang="en-US" altLang="ko-KR" sz="1600" b="0" i="0" dirty="0">
@@ -22389,7 +22687,55 @@
                 <a:effectLst/>
                 <a:latin typeface="Open Sans" panose="020B0606030504020204" pitchFamily="34" charset="0"/>
               </a:rPr>
-              <a:t> / Harbor</a:t>
+              <a:t>(UMA) </a:t>
+            </a:r>
+          </a:p>
+          <a:p>
+            <a:pPr marL="285750" indent="-285750" algn="l">
+              <a:spcAft>
+                <a:spcPts val="1200"/>
+              </a:spcAft>
+              <a:buFont typeface="Wingdings" panose="05000000000000000000" pitchFamily="2" charset="2"/>
+              <a:buChar char="ü"/>
+            </a:pPr>
+            <a:r>
+              <a:rPr lang="en-US" altLang="ko-KR" sz="1600" b="0" i="0" dirty="0">
+                <a:solidFill>
+                  <a:srgbClr val="393946"/>
+                </a:solidFill>
+                <a:effectLst/>
+                <a:latin typeface="inter"/>
+              </a:rPr>
+              <a:t>M2M UI </a:t>
+            </a:r>
+            <a:r>
+              <a:rPr lang="ko-KR" altLang="en-US" sz="1600" b="0" i="0" dirty="0">
+                <a:solidFill>
+                  <a:srgbClr val="393946"/>
+                </a:solidFill>
+                <a:effectLst/>
+                <a:latin typeface="inter"/>
+              </a:rPr>
+              <a:t>를 이용한 </a:t>
+            </a:r>
+            <a:br>
+              <a:rPr lang="en-US" altLang="ko-KR" sz="1600" b="0" i="0" dirty="0">
+                <a:solidFill>
+                  <a:srgbClr val="393946"/>
+                </a:solidFill>
+                <a:effectLst/>
+                <a:latin typeface="inter"/>
+              </a:rPr>
+            </a:br>
+            <a:r>
+              <a:rPr lang="ko-KR" altLang="en-US" sz="1600" b="0" i="0" dirty="0">
+                <a:solidFill>
+                  <a:srgbClr val="393946"/>
+                </a:solidFill>
+                <a:effectLst/>
+                <a:latin typeface="inter"/>
+              </a:rPr>
+              <a:t>커스터마이즈 </a:t>
             </a:r>
             <a:endParaRPr lang="en-US" altLang="ko-KR" sz="1600" b="0" i="0" dirty="0">
               <a:solidFill>
@@ -22398,6 +22744,116 @@
               <a:effectLst/>
               <a:latin typeface="inter"/>
             </a:endParaRPr>
+          </a:p>
+          <a:p>
+            <a:pPr marL="285750" indent="-285750" algn="l">
+              <a:spcAft>
+                <a:spcPts val="1200"/>
+              </a:spcAft>
+              <a:buFont typeface="Wingdings" panose="05000000000000000000" pitchFamily="2" charset="2"/>
+              <a:buChar char="ü"/>
+            </a:pPr>
+            <a:r>
+              <a:rPr lang="ko-KR" altLang="en-US" sz="1600" dirty="0">
+                <a:solidFill>
+                  <a:srgbClr val="393946"/>
+                </a:solidFill>
+                <a:latin typeface="inter"/>
+              </a:rPr>
+              <a:t>파티션별 </a:t>
+            </a:r>
+            <a:r>
+              <a:rPr lang="en-US" altLang="ko-KR" sz="1600" dirty="0">
+                <a:solidFill>
+                  <a:srgbClr val="393946"/>
+                </a:solidFill>
+                <a:latin typeface="inter"/>
+              </a:rPr>
+              <a:t>Database </a:t>
+            </a:r>
+            <a:r>
+              <a:rPr lang="ko-KR" altLang="en-US" sz="1600" dirty="0">
+                <a:solidFill>
+                  <a:srgbClr val="393946"/>
+                </a:solidFill>
+                <a:latin typeface="inter"/>
+              </a:rPr>
+              <a:t>사용현황 점검 </a:t>
+            </a:r>
+            <a:endParaRPr lang="en-US" altLang="ko-KR" sz="1600" dirty="0">
+              <a:solidFill>
+                <a:srgbClr val="393946"/>
+              </a:solidFill>
+              <a:latin typeface="inter"/>
+            </a:endParaRPr>
+          </a:p>
+          <a:p>
+            <a:pPr marL="285750" indent="-285750" algn="l">
+              <a:spcAft>
+                <a:spcPts val="1200"/>
+              </a:spcAft>
+              <a:buFont typeface="Wingdings" panose="05000000000000000000" pitchFamily="2" charset="2"/>
+              <a:buChar char="ü"/>
+            </a:pPr>
+            <a:r>
+              <a:rPr lang="en-US" altLang="ko-KR" sz="1600" b="0" i="0" dirty="0">
+                <a:solidFill>
+                  <a:srgbClr val="393946"/>
+                </a:solidFill>
+                <a:effectLst/>
+                <a:latin typeface="inter"/>
+              </a:rPr>
+              <a:t>AI / ML </a:t>
+            </a:r>
+            <a:r>
+              <a:rPr lang="ko-KR" altLang="en-US" sz="1600" b="0" i="0" dirty="0">
+                <a:solidFill>
+                  <a:srgbClr val="393946"/>
+                </a:solidFill>
+                <a:effectLst/>
+                <a:latin typeface="inter"/>
+              </a:rPr>
+              <a:t>을 이용한 분석 실행 </a:t>
+            </a:r>
+            <a:br>
+              <a:rPr lang="en-US" altLang="ko-KR" sz="1600" b="0" i="0" dirty="0">
+                <a:solidFill>
+                  <a:srgbClr val="393946"/>
+                </a:solidFill>
+                <a:effectLst/>
+                <a:latin typeface="inter"/>
+              </a:rPr>
+            </a:br>
+            <a:r>
+              <a:rPr lang="en-US" altLang="ko-KR" sz="1600" b="0" i="0" dirty="0">
+                <a:solidFill>
+                  <a:srgbClr val="393946"/>
+                </a:solidFill>
+                <a:effectLst/>
+                <a:latin typeface="inter"/>
+              </a:rPr>
+              <a:t>(2</a:t>
+            </a:r>
+            <a:r>
+              <a:rPr lang="ko-KR" altLang="en-US" sz="1600" b="0" i="0" dirty="0">
+                <a:solidFill>
+                  <a:srgbClr val="393946"/>
+                </a:solidFill>
+                <a:effectLst/>
+                <a:latin typeface="inter"/>
+              </a:rPr>
+              <a:t>차</a:t>
+            </a:r>
+            <a:r>
+              <a:rPr lang="en-US" altLang="ko-KR" sz="1600" b="0" i="0" dirty="0">
+                <a:solidFill>
+                  <a:srgbClr val="393946"/>
+                </a:solidFill>
+                <a:effectLst/>
+                <a:latin typeface="inter"/>
+              </a:rPr>
+              <a:t>) </a:t>
+            </a:r>
           </a:p>
         </p:txBody>
       </p:sp>
@@ -22444,21 +22900,36 @@
               <a:buChar char="ü"/>
             </a:pPr>
             <a:r>
-              <a:rPr lang="en-US" altLang="ko-KR" sz="1600" b="0" i="0" dirty="0" err="1">
-                <a:solidFill>
-                  <a:srgbClr val="333333"/>
-                </a:solidFill>
-                <a:effectLst/>
-                <a:latin typeface="Open Sans" panose="020B0606030504020204" pitchFamily="34" charset="0"/>
+              <a:rPr lang="en-US" altLang="ko-KR" sz="1600" dirty="0">
+                <a:solidFill>
+                  <a:srgbClr val="393946"/>
+                </a:solidFill>
+                <a:latin typeface="inter"/>
               </a:rPr>
-              <a:t>Mq</a:t>
+              <a:t>Customized Recommended </a:t>
             </a:r>
-            <a:endParaRPr lang="en-US" altLang="ko-KR" sz="1600" b="0" i="0" dirty="0">
+            <a:br>
+              <a:rPr lang="en-US" altLang="ko-KR" sz="1600" dirty="0">
+                <a:solidFill>
+                  <a:srgbClr val="393946"/>
+                </a:solidFill>
+                <a:latin typeface="inter"/>
+              </a:rPr>
+            </a:br>
+            <a:r>
+              <a:rPr lang="ko-KR" altLang="en-US" sz="1600" dirty="0">
+                <a:solidFill>
+                  <a:srgbClr val="393946"/>
+                </a:solidFill>
+                <a:latin typeface="inter"/>
+              </a:rPr>
+              <a:t>파티션 점검 </a:t>
+            </a:r>
+            <a:endParaRPr lang="en-US" altLang="ko-KR" sz="1600" dirty="0">
               <a:solidFill>
-                <a:srgbClr val="333333"/>
+                <a:srgbClr val="393946"/>
               </a:solidFill>
-              <a:effectLst/>
-              <a:latin typeface="Open Sans" panose="020B0606030504020204" pitchFamily="34" charset="0"/>
+              <a:latin typeface="inter"/>
             </a:endParaRPr>
           </a:p>
           <a:p>
@@ -22470,19 +22941,31 @@
               <a:buChar char="ü"/>
             </a:pPr>
             <a:r>
-              <a:rPr lang="en-US" altLang="ko-KR" sz="1600" dirty="0" err="1">
-                <a:solidFill>
-                  <a:srgbClr val="333333"/>
-                </a:solidFill>
-                <a:latin typeface="Open Sans" panose="020B0606030504020204" pitchFamily="34" charset="0"/>
+              <a:rPr lang="en-US" altLang="ko-KR" sz="1600" b="0" i="0" dirty="0">
+                <a:solidFill>
+                  <a:srgbClr val="393946"/>
+                </a:solidFill>
+                <a:effectLst/>
+                <a:latin typeface="inter"/>
               </a:rPr>
-              <a:t>Cubeone</a:t>
+              <a:t>Natural Seams </a:t>
             </a:r>
-            <a:endParaRPr lang="en-US" altLang="ko-KR" sz="1600" dirty="0">
+            <a:r>
+              <a:rPr lang="ko-KR" altLang="en-US" sz="1600" b="0" i="0" dirty="0">
+                <a:solidFill>
+                  <a:srgbClr val="393946"/>
+                </a:solidFill>
+                <a:effectLst/>
+                <a:latin typeface="inter"/>
+              </a:rPr>
+              <a:t>기반 </a:t>
+            </a:r>
+            <a:endParaRPr lang="en-US" altLang="ko-KR" sz="1600" b="0" i="0" dirty="0">
               <a:solidFill>
-                <a:srgbClr val="333333"/>
+                <a:srgbClr val="393946"/>
               </a:solidFill>
-              <a:latin typeface="Open Sans" panose="020B0606030504020204" pitchFamily="34" charset="0"/>
+              <a:effectLst/>
+              <a:latin typeface="inter"/>
             </a:endParaRPr>
           </a:p>
           <a:p>
@@ -22496,11 +22979,103 @@
             <a:r>
               <a:rPr lang="en-US" altLang="ko-KR" sz="1600" dirty="0">
                 <a:solidFill>
-                  <a:srgbClr val="333333"/>
-                </a:solidFill>
-                <a:latin typeface="Open Sans" panose="020B0606030504020204" pitchFamily="34" charset="0"/>
+                  <a:srgbClr val="393946"/>
+                </a:solidFill>
+                <a:latin typeface="inter"/>
               </a:rPr>
-              <a:t>Oracle</a:t>
+              <a:t>Business Logic </a:t>
+            </a:r>
+            <a:r>
+              <a:rPr lang="ko-KR" altLang="en-US" sz="1600" dirty="0">
+                <a:solidFill>
+                  <a:srgbClr val="393946"/>
+                </a:solidFill>
+                <a:latin typeface="inter"/>
+              </a:rPr>
+              <a:t>기반 </a:t>
+            </a:r>
+            <a:endParaRPr lang="en-US" altLang="ko-KR" sz="1600" dirty="0">
+              <a:solidFill>
+                <a:srgbClr val="393946"/>
+              </a:solidFill>
+              <a:latin typeface="inter"/>
+            </a:endParaRPr>
+          </a:p>
+          <a:p>
+            <a:pPr marL="285750" indent="-285750" algn="l">
+              <a:spcAft>
+                <a:spcPts val="1200"/>
+              </a:spcAft>
+              <a:buFont typeface="Wingdings" panose="05000000000000000000" pitchFamily="2" charset="2"/>
+              <a:buChar char="ü"/>
+            </a:pPr>
+            <a:r>
+              <a:rPr lang="en-US" altLang="ko-KR" sz="1600" b="0" i="0" dirty="0">
+                <a:solidFill>
+                  <a:srgbClr val="393946"/>
+                </a:solidFill>
+                <a:effectLst/>
+                <a:latin typeface="inter"/>
+              </a:rPr>
+              <a:t>Recommended </a:t>
+            </a:r>
+            <a:r>
+              <a:rPr lang="ko-KR" altLang="en-US" sz="1600" b="0" i="0" dirty="0">
+                <a:solidFill>
+                  <a:srgbClr val="393946"/>
+                </a:solidFill>
+                <a:effectLst/>
+                <a:latin typeface="inter"/>
+              </a:rPr>
+              <a:t>파티션 점검 </a:t>
+            </a:r>
+            <a:r>
+              <a:rPr lang="en-US" altLang="ko-KR" sz="1600" b="0" i="0" dirty="0">
+                <a:solidFill>
+                  <a:srgbClr val="393946"/>
+                </a:solidFill>
+                <a:effectLst/>
+                <a:latin typeface="inter"/>
+              </a:rPr>
+              <a:t>(</a:t>
+            </a:r>
+            <a:r>
+              <a:rPr lang="ko-KR" altLang="en-US" sz="1600" b="0" i="0" dirty="0">
+                <a:solidFill>
+                  <a:srgbClr val="393946"/>
+                </a:solidFill>
+                <a:effectLst/>
+                <a:latin typeface="inter"/>
+              </a:rPr>
+              <a:t>최종</a:t>
+            </a:r>
+            <a:r>
+              <a:rPr lang="en-US" altLang="ko-KR" sz="1600" b="0" i="0" dirty="0">
+                <a:solidFill>
+                  <a:srgbClr val="393946"/>
+                </a:solidFill>
+                <a:effectLst/>
+                <a:latin typeface="inter"/>
+              </a:rPr>
+              <a:t>) </a:t>
+            </a:r>
+          </a:p>
+          <a:p>
+            <a:pPr marL="285750" indent="-285750" algn="l">
+              <a:spcAft>
+                <a:spcPts val="1200"/>
+              </a:spcAft>
+              <a:buFont typeface="Wingdings" panose="05000000000000000000" pitchFamily="2" charset="2"/>
+              <a:buChar char="ü"/>
+            </a:pPr>
+            <a:r>
+              <a:rPr lang="ko-KR" altLang="en-US" sz="1600" dirty="0">
+                <a:solidFill>
+                  <a:srgbClr val="393946"/>
+                </a:solidFill>
+                <a:latin typeface="inter"/>
+              </a:rPr>
+              <a:t>마이크로서비스 코드 생성 </a:t>
             </a:r>
             <a:endParaRPr lang="en-US" altLang="ko-KR" sz="1600" b="0" i="0" dirty="0">
               <a:solidFill>
